--- a/Slide-Vietnamese.pptx
+++ b/Slide-Vietnamese.pptx
@@ -4863,48 +4863,58 @@
           <a:bodyPr/>
           <a:lstStyle/>
           <a:p>
-            <a:pPr marL="0" marR="0" lvl="0" indent="0" algn="l" defTabSz="914400" rtl="0" eaLnBrk="1" fontAlgn="auto" latinLnBrk="1" hangingPunct="1">
-              <a:lnSpc>
-                <a:spcPct val="100000"/>
-              </a:lnSpc>
-              <a:spcBef>
-                <a:spcPts val="0"/>
-              </a:spcBef>
-              <a:spcAft>
-                <a:spcPts val="0"/>
-              </a:spcAft>
-              <a:buClrTx/>
-              <a:buSzTx/>
-              <a:buFontTx/>
-              <a:buNone/>
-              <a:tabLst/>
-              <a:defRPr/>
-            </a:pPr>
-            <a:r>
-              <a:rPr lang="en-US" dirty="0" err="1"/>
+            <a:pPr algn="l"/>
+            <a:r>
+              <a:rPr lang="en-US" b="1" dirty="0" err="1">
+                <a:solidFill>
+                  <a:schemeClr val="accent1">
+                    <a:lumMod val="75000"/>
+                  </a:schemeClr>
+                </a:solidFill>
+              </a:rPr>
               <a:t>Còn</a:t>
             </a:r>
             <a:r>
-              <a:rPr lang="en-US" dirty="0"/>
-              <a:t> </a:t>
-            </a:r>
-            <a:r>
-              <a:rPr lang="en-US" dirty="0" err="1"/>
+              <a:rPr lang="en-US" b="1" dirty="0">
+                <a:solidFill>
+                  <a:schemeClr val="accent1">
+                    <a:lumMod val="75000"/>
+                  </a:schemeClr>
+                </a:solidFill>
+              </a:rPr>
+              <a:t> </a:t>
+            </a:r>
+            <a:r>
+              <a:rPr lang="en-US" b="1" dirty="0" err="1">
+                <a:solidFill>
+                  <a:schemeClr val="accent1">
+                    <a:lumMod val="75000"/>
+                  </a:schemeClr>
+                </a:solidFill>
+              </a:rPr>
               <a:t>đây</a:t>
             </a:r>
             <a:r>
-              <a:rPr lang="en-US" dirty="0"/>
-              <a:t> </a:t>
-            </a:r>
-            <a:r>
-              <a:rPr lang="en-US" dirty="0" err="1"/>
+              <a:rPr lang="en-US" b="1" dirty="0">
+                <a:solidFill>
+                  <a:schemeClr val="accent1">
+                    <a:lumMod val="75000"/>
+                  </a:schemeClr>
+                </a:solidFill>
+              </a:rPr>
+              <a:t> </a:t>
+            </a:r>
+            <a:r>
+              <a:rPr lang="en-US" b="1" dirty="0" err="1">
+                <a:solidFill>
+                  <a:schemeClr val="accent1">
+                    <a:lumMod val="75000"/>
+                  </a:schemeClr>
+                </a:solidFill>
+              </a:rPr>
               <a:t>là</a:t>
             </a:r>
             <a:r>
-              <a:rPr lang="en-US" dirty="0"/>
-              <a:t> </a:t>
-            </a:r>
-            <a:r>
               <a:rPr lang="en-US" b="1" dirty="0">
                 <a:solidFill>
                   <a:schemeClr val="accent1">
@@ -4912,7 +4922,7 @@
                   </a:schemeClr>
                 </a:solidFill>
               </a:rPr>
-              <a:t>Trang web </a:t>
+              <a:t> Trang web </a:t>
             </a:r>
             <a:r>
               <a:rPr lang="en-US" b="1" dirty="0" err="1">
@@ -5022,7 +5032,7 @@
                   </a:schemeClr>
                 </a:solidFill>
               </a:rPr>
-              <a:t>đa</a:t>
+              <a:t>nhiều</a:t>
             </a:r>
             <a:r>
               <a:rPr lang="en-US" b="1" dirty="0">
@@ -5042,7 +5052,7 @@
                   </a:schemeClr>
                 </a:solidFill>
               </a:rPr>
-              <a:t>sàn</a:t>
+              <a:t>gian</a:t>
             </a:r>
             <a:r>
               <a:rPr lang="en-US" b="1" dirty="0">
@@ -5052,7 +5062,7 @@
                   </a:schemeClr>
                 </a:solidFill>
               </a:rPr>
-              <a:t> – </a:t>
+              <a:t> </a:t>
             </a:r>
             <a:r>
               <a:rPr lang="en-US" b="1" dirty="0" err="1">
@@ -5062,7 +5072,7 @@
                   </a:schemeClr>
                 </a:solidFill>
               </a:rPr>
-              <a:t>đa</a:t>
+              <a:t>hàng</a:t>
             </a:r>
             <a:r>
               <a:rPr lang="en-US" b="1" dirty="0">
@@ -5072,124 +5082,286 @@
                   </a:schemeClr>
                 </a:solidFill>
               </a:rPr>
-              <a:t> shop</a:t>
+              <a:t> </a:t>
             </a:r>
           </a:p>
           <a:p>
-            <a:r>
-              <a:rPr lang="en-US" dirty="0" err="1"/>
-              <a:t>Thể</a:t>
-            </a:r>
-            <a:r>
-              <a:rPr lang="en-US" dirty="0"/>
-              <a:t> </a:t>
-            </a:r>
-            <a:r>
-              <a:rPr lang="en-US" dirty="0" err="1"/>
-              <a:t>hiện</a:t>
-            </a:r>
-            <a:r>
-              <a:rPr lang="en-US" dirty="0"/>
-              <a:t> </a:t>
-            </a:r>
-            <a:r>
-              <a:rPr lang="en-US" dirty="0" err="1"/>
-              <a:t>đầy</a:t>
-            </a:r>
-            <a:r>
-              <a:rPr lang="en-US" dirty="0"/>
-              <a:t> </a:t>
-            </a:r>
-            <a:r>
-              <a:rPr lang="en-US" dirty="0" err="1"/>
-              <a:t>đủ</a:t>
-            </a:r>
-            <a:r>
-              <a:rPr lang="en-US" dirty="0"/>
-              <a:t> </a:t>
-            </a:r>
-            <a:r>
-              <a:rPr lang="en-US" dirty="0" err="1"/>
-              <a:t>các</a:t>
-            </a:r>
-            <a:r>
-              <a:rPr lang="en-US" dirty="0"/>
-              <a:t> </a:t>
-            </a:r>
-            <a:r>
-              <a:rPr lang="en-US" dirty="0" err="1"/>
-              <a:t>thông</a:t>
-            </a:r>
-            <a:r>
-              <a:rPr lang="en-US" dirty="0"/>
-              <a:t> tin </a:t>
-            </a:r>
-            <a:r>
-              <a:rPr lang="en-US" dirty="0" err="1"/>
-              <a:t>cần</a:t>
-            </a:r>
-            <a:r>
-              <a:rPr lang="en-US" dirty="0"/>
-              <a:t> </a:t>
-            </a:r>
-            <a:r>
-              <a:rPr lang="en-US" dirty="0" err="1"/>
-              <a:t>thiết</a:t>
-            </a:r>
-            <a:r>
-              <a:rPr lang="en-US" dirty="0"/>
-              <a:t>. </a:t>
-            </a:r>
-            <a:r>
-              <a:rPr lang="en-US" dirty="0" err="1"/>
-              <a:t>Cụ</a:t>
-            </a:r>
-            <a:r>
-              <a:rPr lang="en-US" dirty="0"/>
-              <a:t> </a:t>
-            </a:r>
-            <a:r>
-              <a:rPr lang="en-US" dirty="0" err="1"/>
-              <a:t>thể</a:t>
-            </a:r>
-            <a:r>
-              <a:rPr lang="en-US" dirty="0"/>
-              <a:t> </a:t>
-            </a:r>
-            <a:r>
-              <a:rPr lang="en-US" dirty="0" err="1"/>
-              <a:t>bây</a:t>
-            </a:r>
-            <a:r>
-              <a:rPr lang="en-US" dirty="0"/>
-              <a:t> </a:t>
-            </a:r>
-            <a:r>
-              <a:rPr lang="en-US" dirty="0" err="1"/>
-              <a:t>giờ</a:t>
-            </a:r>
-            <a:r>
-              <a:rPr lang="en-US" dirty="0"/>
-              <a:t> </a:t>
-            </a:r>
-            <a:r>
-              <a:rPr lang="en-US" dirty="0" err="1"/>
-              <a:t>em</a:t>
-            </a:r>
-            <a:r>
-              <a:rPr lang="en-US" dirty="0"/>
-              <a:t> </a:t>
-            </a:r>
-            <a:r>
-              <a:rPr lang="en-US" dirty="0" err="1"/>
-              <a:t>sẽ</a:t>
-            </a:r>
-            <a:r>
-              <a:rPr lang="en-US" dirty="0"/>
-              <a:t> demo</a:t>
-            </a:r>
+            <a:pPr algn="l"/>
+            <a:r>
+              <a:rPr lang="en-US" b="1" dirty="0" err="1">
+                <a:solidFill>
+                  <a:schemeClr val="accent1">
+                    <a:lumMod val="75000"/>
+                  </a:schemeClr>
+                </a:solidFill>
+              </a:rPr>
+              <a:t>trên</a:t>
+            </a:r>
+            <a:r>
+              <a:rPr lang="en-US" b="1" dirty="0">
+                <a:solidFill>
+                  <a:schemeClr val="accent1">
+                    <a:lumMod val="75000"/>
+                  </a:schemeClr>
+                </a:solidFill>
+              </a:rPr>
+              <a:t> </a:t>
+            </a:r>
+            <a:r>
+              <a:rPr lang="en-US" b="1" dirty="0" err="1">
+                <a:solidFill>
+                  <a:schemeClr val="accent1">
+                    <a:lumMod val="75000"/>
+                  </a:schemeClr>
+                </a:solidFill>
+              </a:rPr>
+              <a:t>nhiều</a:t>
+            </a:r>
+            <a:r>
+              <a:rPr lang="en-US" b="1" dirty="0">
+                <a:solidFill>
+                  <a:schemeClr val="accent1">
+                    <a:lumMod val="75000"/>
+                  </a:schemeClr>
+                </a:solidFill>
+              </a:rPr>
+              <a:t> </a:t>
+            </a:r>
+            <a:r>
+              <a:rPr lang="en-US" b="1" dirty="0" err="1">
+                <a:solidFill>
+                  <a:schemeClr val="accent1">
+                    <a:lumMod val="75000"/>
+                  </a:schemeClr>
+                </a:solidFill>
+              </a:rPr>
+              <a:t>trang</a:t>
+            </a:r>
+            <a:r>
+              <a:rPr lang="en-US" b="1" dirty="0">
+                <a:solidFill>
+                  <a:schemeClr val="accent1">
+                    <a:lumMod val="75000"/>
+                  </a:schemeClr>
+                </a:solidFill>
+              </a:rPr>
+              <a:t> </a:t>
+            </a:r>
+            <a:r>
+              <a:rPr lang="en-US" b="1" dirty="0" err="1">
+                <a:solidFill>
+                  <a:schemeClr val="accent1">
+                    <a:lumMod val="75000"/>
+                  </a:schemeClr>
+                </a:solidFill>
+              </a:rPr>
+              <a:t>th</a:t>
+            </a:r>
+            <a:r>
+              <a:rPr lang="vi-VN" b="1" dirty="0">
+                <a:solidFill>
+                  <a:schemeClr val="accent1">
+                    <a:lumMod val="75000"/>
+                  </a:schemeClr>
+                </a:solidFill>
+              </a:rPr>
+              <a:t>ư</a:t>
+            </a:r>
+            <a:r>
+              <a:rPr lang="en-US" b="1" dirty="0" err="1">
+                <a:solidFill>
+                  <a:schemeClr val="accent1">
+                    <a:lumMod val="75000"/>
+                  </a:schemeClr>
+                </a:solidFill>
+              </a:rPr>
+              <a:t>ơng</a:t>
+            </a:r>
+            <a:r>
+              <a:rPr lang="en-US" b="1" dirty="0">
+                <a:solidFill>
+                  <a:schemeClr val="accent1">
+                    <a:lumMod val="75000"/>
+                  </a:schemeClr>
+                </a:solidFill>
+              </a:rPr>
+              <a:t> </a:t>
+            </a:r>
+            <a:r>
+              <a:rPr lang="en-US" b="1" dirty="0" err="1">
+                <a:solidFill>
+                  <a:schemeClr val="accent1">
+                    <a:lumMod val="75000"/>
+                  </a:schemeClr>
+                </a:solidFill>
+              </a:rPr>
+              <a:t>mại</a:t>
+            </a:r>
+            <a:r>
+              <a:rPr lang="en-US" b="1" dirty="0">
+                <a:solidFill>
+                  <a:schemeClr val="accent1">
+                    <a:lumMod val="75000"/>
+                  </a:schemeClr>
+                </a:solidFill>
+              </a:rPr>
+              <a:t> </a:t>
+            </a:r>
+            <a:r>
+              <a:rPr lang="en-US" b="1" dirty="0" err="1">
+                <a:solidFill>
+                  <a:schemeClr val="accent1">
+                    <a:lumMod val="75000"/>
+                  </a:schemeClr>
+                </a:solidFill>
+              </a:rPr>
+              <a:t>điện</a:t>
+            </a:r>
+            <a:r>
+              <a:rPr lang="en-US" b="1" dirty="0">
+                <a:solidFill>
+                  <a:schemeClr val="accent1">
+                    <a:lumMod val="75000"/>
+                  </a:schemeClr>
+                </a:solidFill>
+              </a:rPr>
+              <a:t> </a:t>
+            </a:r>
+            <a:r>
+              <a:rPr lang="en-US" b="1" dirty="0" err="1">
+                <a:solidFill>
+                  <a:schemeClr val="accent1">
+                    <a:lumMod val="75000"/>
+                  </a:schemeClr>
+                </a:solidFill>
+              </a:rPr>
+              <a:t>tử</a:t>
+            </a:r>
+            <a:endParaRPr lang="en-US" b="1" dirty="0">
+              <a:solidFill>
+                <a:schemeClr val="accent1">
+                  <a:lumMod val="75000"/>
+                </a:schemeClr>
+              </a:solidFill>
+            </a:endParaRPr>
           </a:p>
           <a:p>
+            <a:pPr algn="l"/>
+            <a:r>
+              <a:rPr lang="en-US" dirty="0" err="1"/>
+              <a:t>Thể</a:t>
+            </a:r>
+            <a:r>
+              <a:rPr lang="en-US" dirty="0"/>
+              <a:t> </a:t>
+            </a:r>
+            <a:r>
+              <a:rPr lang="en-US" dirty="0" err="1"/>
+              <a:t>hiện</a:t>
+            </a:r>
+            <a:r>
+              <a:rPr lang="en-US" dirty="0"/>
+              <a:t> </a:t>
+            </a:r>
+            <a:r>
+              <a:rPr lang="en-US" dirty="0" err="1"/>
+              <a:t>đầy</a:t>
+            </a:r>
+            <a:r>
+              <a:rPr lang="en-US" dirty="0"/>
+              <a:t> </a:t>
+            </a:r>
+            <a:r>
+              <a:rPr lang="en-US" dirty="0" err="1"/>
+              <a:t>đủ</a:t>
+            </a:r>
+            <a:r>
+              <a:rPr lang="en-US" dirty="0"/>
+              <a:t> </a:t>
+            </a:r>
+            <a:r>
+              <a:rPr lang="en-US" dirty="0" err="1"/>
+              <a:t>các</a:t>
+            </a:r>
+            <a:r>
+              <a:rPr lang="en-US" dirty="0"/>
+              <a:t> </a:t>
+            </a:r>
+            <a:r>
+              <a:rPr lang="en-US" dirty="0" err="1"/>
+              <a:t>thông</a:t>
+            </a:r>
+            <a:r>
+              <a:rPr lang="en-US" dirty="0"/>
+              <a:t> tin </a:t>
+            </a:r>
+            <a:r>
+              <a:rPr lang="en-US" dirty="0" err="1"/>
+              <a:t>cần</a:t>
+            </a:r>
+            <a:r>
+              <a:rPr lang="en-US" dirty="0"/>
+              <a:t> </a:t>
+            </a:r>
+            <a:r>
+              <a:rPr lang="en-US" dirty="0" err="1"/>
+              <a:t>thiết</a:t>
+            </a:r>
+            <a:r>
+              <a:rPr lang="en-US" dirty="0"/>
+              <a:t>. </a:t>
+            </a:r>
+            <a:r>
+              <a:rPr lang="en-US" dirty="0" err="1"/>
+              <a:t>Cụ</a:t>
+            </a:r>
+            <a:r>
+              <a:rPr lang="en-US" dirty="0"/>
+              <a:t> </a:t>
+            </a:r>
+            <a:r>
+              <a:rPr lang="en-US" dirty="0" err="1"/>
+              <a:t>thể</a:t>
+            </a:r>
+            <a:r>
+              <a:rPr lang="en-US" dirty="0"/>
+              <a:t> </a:t>
+            </a:r>
+            <a:r>
+              <a:rPr lang="en-US" dirty="0" err="1"/>
+              <a:t>bây</a:t>
+            </a:r>
+            <a:r>
+              <a:rPr lang="en-US" dirty="0"/>
+              <a:t> </a:t>
+            </a:r>
+            <a:r>
+              <a:rPr lang="en-US" dirty="0" err="1"/>
+              <a:t>giờ</a:t>
+            </a:r>
+            <a:r>
+              <a:rPr lang="en-US" dirty="0"/>
+              <a:t> </a:t>
+            </a:r>
+            <a:r>
+              <a:rPr lang="en-US" dirty="0" err="1"/>
+              <a:t>em</a:t>
+            </a:r>
+            <a:r>
+              <a:rPr lang="en-US" dirty="0"/>
+              <a:t> </a:t>
+            </a:r>
+            <a:r>
+              <a:rPr lang="en-US" dirty="0" err="1"/>
+              <a:t>sẽ</a:t>
+            </a:r>
+            <a:r>
+              <a:rPr lang="en-US" dirty="0"/>
+              <a:t> demo</a:t>
+            </a:r>
+          </a:p>
+          <a:p>
+            <a:pPr algn="l"/>
             <a:r>
               <a:rPr lang="en-US" dirty="0"/>
               <a:t>(</a:t>
@@ -6224,17 +6396,124 @@
               <a:rPr lang="en-US" dirty="0"/>
               <a:t> dashboard -&gt; </a:t>
             </a:r>
-            <a:r>
-              <a:rPr lang="en-US" dirty="0" err="1"/>
-              <a:t>có</a:t>
-            </a:r>
-            <a:r>
-              <a:rPr lang="en-US" dirty="0"/>
-              <a:t> </a:t>
-            </a:r>
-            <a:r>
-              <a:rPr lang="en-US" dirty="0" err="1"/>
-              <a:t>những</a:t>
+          </a:p>
+          <a:p>
+            <a:pPr marL="0" marR="0" lvl="0" indent="0" algn="l" defTabSz="914400" rtl="0" eaLnBrk="1" fontAlgn="auto" latinLnBrk="1" hangingPunct="1">
+              <a:lnSpc>
+                <a:spcPct val="100000"/>
+              </a:lnSpc>
+              <a:spcBef>
+                <a:spcPts val="0"/>
+              </a:spcBef>
+              <a:spcAft>
+                <a:spcPts val="0"/>
+              </a:spcAft>
+              <a:buClrTx/>
+              <a:buSzTx/>
+              <a:buFontTx/>
+              <a:buNone/>
+              <a:tabLst/>
+              <a:defRPr/>
+            </a:pPr>
+            <a:r>
+              <a:rPr lang="en-US" dirty="0" err="1"/>
+              <a:t>Đầu</a:t>
+            </a:r>
+            <a:r>
+              <a:rPr lang="en-US" dirty="0"/>
+              <a:t> </a:t>
+            </a:r>
+            <a:r>
+              <a:rPr lang="en-US" dirty="0" err="1"/>
+              <a:t>tiên</a:t>
+            </a:r>
+            <a:r>
+              <a:rPr lang="en-US" dirty="0"/>
+              <a:t> </a:t>
+            </a:r>
+            <a:r>
+              <a:rPr lang="en-US" dirty="0" err="1"/>
+              <a:t>khi</a:t>
+            </a:r>
+            <a:r>
+              <a:rPr lang="en-US" dirty="0"/>
+              <a:t> </a:t>
+            </a:r>
+            <a:r>
+              <a:rPr lang="en-US" dirty="0" err="1"/>
+              <a:t>vào</a:t>
+            </a:r>
+            <a:r>
+              <a:rPr lang="en-US" dirty="0"/>
+              <a:t> </a:t>
+            </a:r>
+            <a:r>
+              <a:rPr lang="en-US" dirty="0" err="1"/>
+              <a:t>trang</a:t>
+            </a:r>
+            <a:r>
+              <a:rPr lang="en-US" dirty="0"/>
+              <a:t> web </a:t>
+            </a:r>
+            <a:r>
+              <a:rPr lang="en-US" dirty="0" err="1"/>
+              <a:t>sẽ</a:t>
+            </a:r>
+            <a:r>
+              <a:rPr lang="en-US" dirty="0"/>
+              <a:t> </a:t>
+            </a:r>
+            <a:r>
+              <a:rPr lang="en-US" dirty="0" err="1"/>
+              <a:t>là</a:t>
+            </a:r>
+            <a:r>
+              <a:rPr lang="en-US" dirty="0"/>
+              <a:t> </a:t>
+            </a:r>
+            <a:r>
+              <a:rPr lang="en-US" dirty="0" err="1"/>
+              <a:t>trang</a:t>
+            </a:r>
+            <a:r>
+              <a:rPr lang="en-US" dirty="0"/>
+              <a:t> </a:t>
+            </a:r>
+            <a:r>
+              <a:rPr lang="en-US" dirty="0" err="1"/>
+              <a:t>chủ</a:t>
+            </a:r>
+            <a:r>
+              <a:rPr lang="en-US" dirty="0"/>
+              <a:t> dashboard </a:t>
+            </a:r>
+            <a:r>
+              <a:rPr lang="en-US" dirty="0" err="1"/>
+              <a:t>sẽ</a:t>
+            </a:r>
+            <a:r>
+              <a:rPr lang="en-US" dirty="0"/>
+              <a:t> </a:t>
+            </a:r>
+            <a:r>
+              <a:rPr lang="en-US" dirty="0" err="1"/>
+              <a:t>thể</a:t>
+            </a:r>
+            <a:r>
+              <a:rPr lang="en-US" dirty="0"/>
+              <a:t> </a:t>
+            </a:r>
+            <a:r>
+              <a:rPr lang="en-US" dirty="0" err="1"/>
+              <a:t>hiện</a:t>
+            </a:r>
+            <a:r>
+              <a:rPr lang="en-US" dirty="0"/>
+              <a:t> </a:t>
+            </a:r>
+            <a:r>
+              <a:rPr lang="en-US" dirty="0" err="1"/>
+              <a:t>đc</a:t>
             </a:r>
             <a:r>
               <a:rPr lang="en-US" dirty="0"/>
@@ -6258,12 +6537,178 @@
             </a:r>
             <a:r>
               <a:rPr lang="en-US" dirty="0" err="1"/>
-              <a:t>mà</a:t>
-            </a:r>
-            <a:r>
-              <a:rPr lang="en-US" dirty="0"/>
-              <a:t> </a:t>
-            </a:r>
+              <a:t>các</a:t>
+            </a:r>
+            <a:r>
+              <a:rPr lang="en-US" dirty="0"/>
+              <a:t> </a:t>
+            </a:r>
+          </a:p>
+          <a:p>
+            <a:pPr marL="0" marR="0" lvl="0" indent="0" algn="l" defTabSz="914400" rtl="0" eaLnBrk="1" fontAlgn="auto" latinLnBrk="1" hangingPunct="1">
+              <a:lnSpc>
+                <a:spcPct val="100000"/>
+              </a:lnSpc>
+              <a:spcBef>
+                <a:spcPts val="0"/>
+              </a:spcBef>
+              <a:spcAft>
+                <a:spcPts val="0"/>
+              </a:spcAft>
+              <a:buClrTx/>
+              <a:buSzTx/>
+              <a:buFontTx/>
+              <a:buNone/>
+              <a:tabLst/>
+              <a:defRPr/>
+            </a:pPr>
+            <a:r>
+              <a:rPr lang="en-US" dirty="0" err="1"/>
+              <a:t>Chỉ</a:t>
+            </a:r>
+            <a:r>
+              <a:rPr lang="en-US" dirty="0"/>
+              <a:t> </a:t>
+            </a:r>
+            <a:r>
+              <a:rPr lang="en-US" dirty="0" err="1"/>
+              <a:t>số</a:t>
+            </a:r>
+            <a:r>
+              <a:rPr lang="en-US" dirty="0"/>
+              <a:t> </a:t>
+            </a:r>
+            <a:r>
+              <a:rPr lang="en-US" dirty="0" err="1"/>
+              <a:t>bán</a:t>
+            </a:r>
+            <a:r>
+              <a:rPr lang="en-US" dirty="0"/>
+              <a:t> </a:t>
+            </a:r>
+            <a:r>
+              <a:rPr lang="en-US" dirty="0" err="1"/>
+              <a:t>hàng</a:t>
+            </a:r>
+            <a:r>
+              <a:rPr lang="en-US" dirty="0"/>
+              <a:t> </a:t>
+            </a:r>
+            <a:r>
+              <a:rPr lang="en-US" dirty="0" err="1"/>
+              <a:t>gồm</a:t>
+            </a:r>
+            <a:r>
+              <a:rPr lang="en-US" dirty="0"/>
+              <a:t> </a:t>
+            </a:r>
+            <a:r>
+              <a:rPr lang="en-US" dirty="0" err="1"/>
+              <a:t>doanh</a:t>
+            </a:r>
+            <a:r>
+              <a:rPr lang="en-US" dirty="0"/>
+              <a:t> </a:t>
+            </a:r>
+            <a:r>
+              <a:rPr lang="en-US" dirty="0" err="1"/>
+              <a:t>thu</a:t>
+            </a:r>
+            <a:r>
+              <a:rPr lang="en-US" dirty="0"/>
+              <a:t>, </a:t>
+            </a:r>
+            <a:r>
+              <a:rPr lang="en-US" dirty="0" err="1"/>
+              <a:t>lợi</a:t>
+            </a:r>
+            <a:r>
+              <a:rPr lang="en-US" dirty="0"/>
+              <a:t> </a:t>
+            </a:r>
+            <a:r>
+              <a:rPr lang="en-US" dirty="0" err="1"/>
+              <a:t>nhuận</a:t>
+            </a:r>
+            <a:r>
+              <a:rPr lang="en-US" dirty="0"/>
+              <a:t> đ</a:t>
+            </a:r>
+            <a:r>
+              <a:rPr lang="vi-VN" dirty="0"/>
+              <a:t>ơ</a:t>
+            </a:r>
+            <a:r>
+              <a:rPr lang="en-US" dirty="0"/>
+              <a:t>n </a:t>
+            </a:r>
+            <a:r>
+              <a:rPr lang="en-US" dirty="0" err="1"/>
+              <a:t>hàng</a:t>
+            </a:r>
+            <a:r>
+              <a:rPr lang="en-US" dirty="0"/>
+              <a:t>… </a:t>
+            </a:r>
+            <a:r>
+              <a:rPr lang="en-US" dirty="0" err="1"/>
+              <a:t>Các</a:t>
+            </a:r>
+            <a:r>
+              <a:rPr lang="en-US" dirty="0"/>
+              <a:t> con </a:t>
+            </a:r>
+            <a:r>
+              <a:rPr lang="en-US" dirty="0" err="1"/>
+              <a:t>số</a:t>
+            </a:r>
+            <a:r>
+              <a:rPr lang="en-US" dirty="0"/>
+              <a:t> </a:t>
+            </a:r>
+            <a:r>
+              <a:rPr lang="en-US" dirty="0" err="1"/>
+              <a:t>này</a:t>
+            </a:r>
+            <a:r>
+              <a:rPr lang="en-US" dirty="0"/>
+              <a:t> </a:t>
+            </a:r>
+            <a:r>
+              <a:rPr lang="en-US" dirty="0" err="1"/>
+              <a:t>đc</a:t>
+            </a:r>
+            <a:r>
+              <a:rPr lang="en-US" dirty="0"/>
+              <a:t> </a:t>
+            </a:r>
+            <a:r>
+              <a:rPr lang="en-US" dirty="0" err="1"/>
+              <a:t>tính</a:t>
+            </a:r>
+            <a:r>
+              <a:rPr lang="en-US" dirty="0"/>
+              <a:t> </a:t>
+            </a:r>
+          </a:p>
+          <a:p>
+            <a:pPr marL="0" marR="0" lvl="0" indent="0" algn="l" defTabSz="914400" rtl="0" eaLnBrk="1" fontAlgn="auto" latinLnBrk="1" hangingPunct="1">
+              <a:lnSpc>
+                <a:spcPct val="100000"/>
+              </a:lnSpc>
+              <a:spcBef>
+                <a:spcPts val="0"/>
+              </a:spcBef>
+              <a:spcAft>
+                <a:spcPts val="0"/>
+              </a:spcAft>
+              <a:buClrTx/>
+              <a:buSzTx/>
+              <a:buFontTx/>
+              <a:buNone/>
+              <a:tabLst/>
+              <a:defRPr/>
+            </a:pPr>
             <a:r>
               <a:rPr lang="en-US" dirty="0" err="1"/>
               <a:t>tổng</a:t>
@@ -6290,19 +6735,35 @@
             </a:r>
             <a:r>
               <a:rPr lang="en-US" dirty="0" err="1"/>
-              <a:t>nhiều</a:t>
-            </a:r>
-            <a:r>
-              <a:rPr lang="en-US" dirty="0"/>
-              <a:t> </a:t>
-            </a:r>
-            <a:r>
-              <a:rPr lang="en-US" dirty="0" err="1"/>
-              <a:t>sàn</a:t>
-            </a:r>
-            <a:r>
-              <a:rPr lang="en-US" dirty="0"/>
-              <a:t> </a:t>
+              <a:t>gian</a:t>
+            </a:r>
+            <a:r>
+              <a:rPr lang="en-US" dirty="0"/>
+              <a:t> </a:t>
+            </a:r>
+            <a:r>
+              <a:rPr lang="en-US" dirty="0" err="1"/>
+              <a:t>hàng</a:t>
+            </a:r>
+            <a:r>
+              <a:rPr lang="en-US" dirty="0"/>
+              <a:t> </a:t>
+            </a:r>
+            <a:r>
+              <a:rPr lang="en-US" dirty="0" err="1"/>
+              <a:t>trên</a:t>
+            </a:r>
+            <a:r>
+              <a:rPr lang="en-US" dirty="0"/>
+              <a:t> </a:t>
+            </a:r>
+            <a:r>
+              <a:rPr lang="en-US" dirty="0" err="1"/>
+              <a:t>trang</a:t>
+            </a:r>
+            <a:r>
+              <a:rPr lang="en-US" dirty="0"/>
+              <a:t> TMDT </a:t>
             </a:r>
             <a:r>
               <a:rPr lang="en-US" dirty="0" err="1"/>
@@ -7000,6 +7461,94 @@
             <a:r>
               <a:rPr lang="en-US" dirty="0" err="1"/>
               <a:t>bộ</a:t>
+            </a:r>
+            <a:endParaRPr lang="en-US" dirty="0"/>
+          </a:p>
+          <a:p>
+            <a:pPr marL="0" marR="0" lvl="0" indent="0" algn="l" defTabSz="914400" rtl="0" eaLnBrk="1" fontAlgn="auto" latinLnBrk="1" hangingPunct="1">
+              <a:lnSpc>
+                <a:spcPct val="100000"/>
+              </a:lnSpc>
+              <a:spcBef>
+                <a:spcPts val="0"/>
+              </a:spcBef>
+              <a:spcAft>
+                <a:spcPts val="0"/>
+              </a:spcAft>
+              <a:buClrTx/>
+              <a:buSzTx/>
+              <a:buFontTx/>
+              <a:buNone/>
+              <a:tabLst/>
+              <a:defRPr/>
+            </a:pPr>
+            <a:r>
+              <a:rPr lang="en-US" dirty="0" err="1"/>
+              <a:t>Xác</a:t>
+            </a:r>
+            <a:r>
+              <a:rPr lang="en-US" dirty="0"/>
+              <a:t> </a:t>
+            </a:r>
+            <a:r>
+              <a:rPr lang="en-US" dirty="0" err="1"/>
+              <a:t>nhận</a:t>
+            </a:r>
+            <a:r>
+              <a:rPr lang="en-US" dirty="0"/>
+              <a:t> </a:t>
+            </a:r>
+            <a:r>
+              <a:rPr lang="en-US" dirty="0" err="1"/>
+              <a:t>cả</a:t>
+            </a:r>
+            <a:r>
+              <a:rPr lang="en-US" dirty="0"/>
+              <a:t> đ</a:t>
+            </a:r>
+            <a:r>
+              <a:rPr lang="vi-VN" dirty="0"/>
+              <a:t>ơ</a:t>
+            </a:r>
+            <a:r>
+              <a:rPr lang="en-US" dirty="0"/>
+              <a:t>n </a:t>
+            </a:r>
+            <a:r>
+              <a:rPr lang="en-US" dirty="0" err="1"/>
+              <a:t>trên</a:t>
+            </a:r>
+            <a:r>
+              <a:rPr lang="en-US" dirty="0"/>
+              <a:t> </a:t>
+            </a:r>
+            <a:r>
+              <a:rPr lang="en-US" dirty="0" err="1"/>
+              <a:t>kute</a:t>
+            </a:r>
+            <a:r>
+              <a:rPr lang="en-US" dirty="0"/>
+              <a:t> </a:t>
+            </a:r>
+            <a:r>
+              <a:rPr lang="en-US" dirty="0" err="1"/>
+              <a:t>và</a:t>
+            </a:r>
+            <a:r>
+              <a:rPr lang="en-US" dirty="0"/>
+              <a:t> 62 </a:t>
+            </a:r>
+            <a:r>
+              <a:rPr lang="en-US" dirty="0" err="1"/>
+              <a:t>sen</a:t>
+            </a:r>
+            <a:r>
+              <a:rPr lang="en-US" dirty="0"/>
+              <a:t> </a:t>
+            </a:r>
+            <a:r>
+              <a:rPr lang="en-US" dirty="0" err="1"/>
+              <a:t>đỏ</a:t>
             </a:r>
             <a:endParaRPr lang="en-US" dirty="0"/>
           </a:p>
@@ -10163,7 +10712,55 @@
           <a:p>
             <a:r>
               <a:rPr lang="en-US" dirty="0" err="1"/>
-              <a:t>Có</a:t>
+              <a:t>Đối</a:t>
+            </a:r>
+            <a:r>
+              <a:rPr lang="en-US" dirty="0"/>
+              <a:t> </a:t>
+            </a:r>
+            <a:r>
+              <a:rPr lang="en-US" dirty="0" err="1"/>
+              <a:t>với</a:t>
+            </a:r>
+            <a:r>
+              <a:rPr lang="en-US" dirty="0"/>
+              <a:t> </a:t>
+            </a:r>
+            <a:r>
+              <a:rPr lang="en-US" dirty="0" err="1"/>
+              <a:t>nhà</a:t>
+            </a:r>
+            <a:r>
+              <a:rPr lang="en-US" dirty="0"/>
+              <a:t> </a:t>
+            </a:r>
+            <a:r>
+              <a:rPr lang="en-US" dirty="0" err="1"/>
+              <a:t>bán</a:t>
+            </a:r>
+            <a:r>
+              <a:rPr lang="en-US" dirty="0"/>
+              <a:t> </a:t>
+            </a:r>
+            <a:r>
+              <a:rPr lang="en-US" dirty="0" err="1"/>
+              <a:t>hàng</a:t>
+            </a:r>
+            <a:r>
+              <a:rPr lang="en-US" dirty="0"/>
+              <a:t> </a:t>
+            </a:r>
+            <a:r>
+              <a:rPr lang="en-US" dirty="0" err="1"/>
+              <a:t>thì</a:t>
+            </a:r>
+            <a:r>
+              <a:rPr lang="en-US" dirty="0"/>
+              <a:t> </a:t>
+            </a:r>
+            <a:r>
+              <a:rPr lang="en-US" dirty="0" err="1"/>
+              <a:t>có</a:t>
             </a:r>
             <a:r>
               <a:rPr lang="en-US" dirty="0"/>
@@ -12400,7 +12997,7 @@
                 </a:solidFill>
                 <a:cs typeface="Arial" pitchFamily="34" charset="0"/>
               </a:rPr>
-              <a:t>làm</a:t>
+              <a:t>chọn</a:t>
             </a:r>
             <a:r>
               <a:rPr lang="en-US" altLang="ko-KR" sz="1200" dirty="0">
@@ -12412,7 +13009,7 @@
                 </a:solidFill>
                 <a:cs typeface="Arial" pitchFamily="34" charset="0"/>
               </a:rPr>
-              <a:t> </a:t>
+              <a:t>  </a:t>
             </a:r>
             <a:r>
               <a:rPr lang="en-US" altLang="ko-KR" sz="1200" dirty="0" err="1">
